--- a/Task runner & SCSS.pptx
+++ b/Task runner & SCSS.pptx
@@ -25,28 +25,28 @@
   <p:notesSz cx="6858000" cy="9144000"/>
   <p:embeddedFontLst>
     <p:embeddedFont>
-      <p:font typeface="Hind Madurai SemiBold" panose="020B0604020202020204" charset="0"/>
+      <p:font typeface="Trebuchet MS" panose="020B0603020202020204" pitchFamily="34" charset="0"/>
       <p:regular r:id="rId15"/>
       <p:bold r:id="rId16"/>
+      <p:italic r:id="rId17"/>
+      <p:boldItalic r:id="rId18"/>
+    </p:embeddedFont>
+    <p:embeddedFont>
+      <p:font typeface="Hind Madurai SemiBold" panose="020B0604020202020204" charset="0"/>
+      <p:regular r:id="rId19"/>
+      <p:bold r:id="rId20"/>
     </p:embeddedFont>
     <p:embeddedFont>
       <p:font typeface="Calibri" panose="020F0502020204030204" pitchFamily="34" charset="0"/>
-      <p:regular r:id="rId17"/>
-      <p:bold r:id="rId18"/>
-      <p:italic r:id="rId19"/>
-      <p:boldItalic r:id="rId20"/>
+      <p:regular r:id="rId21"/>
+      <p:bold r:id="rId22"/>
+      <p:italic r:id="rId23"/>
+      <p:boldItalic r:id="rId24"/>
     </p:embeddedFont>
     <p:embeddedFont>
       <p:font typeface="Hind Siliguri" panose="020B0604020202020204" charset="0"/>
-      <p:regular r:id="rId21"/>
-      <p:bold r:id="rId22"/>
-    </p:embeddedFont>
-    <p:embeddedFont>
-      <p:font typeface="Trebuchet MS" panose="020B0603020202020204" pitchFamily="34" charset="0"/>
-      <p:regular r:id="rId23"/>
-      <p:bold r:id="rId24"/>
-      <p:italic r:id="rId25"/>
-      <p:boldItalic r:id="rId26"/>
+      <p:regular r:id="rId25"/>
+      <p:bold r:id="rId26"/>
     </p:embeddedFont>
   </p:embeddedFontLst>
   <p:defaultTextStyle>
@@ -8521,7 +8521,7 @@
         <p:push dir="r"/>
       </p:transition>
     </mc:Choice>
-    <mc:Fallback xmlns="" xmlns:mv="urn:schemas-microsoft-com:mac:vml" xmlns:c="http://schemas.openxmlformats.org/drawingml/2006/chart" xmlns:dgm="http://schemas.openxmlformats.org/drawingml/2006/diagram" xmlns:o="urn:schemas-microsoft-com:office:office" xmlns:v="urn:schemas-microsoft-com:vml" xmlns:pvml="urn:schemas-microsoft-com:office:powerpoint" xmlns:com="http://schemas.openxmlformats.org/drawingml/2006/compatibility" xmlns:p15="http://schemas.microsoft.com/office/powerpoint/2012/main">
+    <mc:Fallback xmlns:p15="http://schemas.microsoft.com/office/powerpoint/2012/main" xmlns:com="http://schemas.openxmlformats.org/drawingml/2006/compatibility" xmlns:pvml="urn:schemas-microsoft-com:office:powerpoint" xmlns:v="urn:schemas-microsoft-com:vml" xmlns:o="urn:schemas-microsoft-com:office:office" xmlns:dgm="http://schemas.openxmlformats.org/drawingml/2006/diagram" xmlns:c="http://schemas.openxmlformats.org/drawingml/2006/chart" xmlns:mv="urn:schemas-microsoft-com:mac:vml" xmlns="">
       <p:transition spd="slow">
         <p:fade/>
       </p:transition>
@@ -9507,66 +9507,6 @@
               </a:rPr>
               <a:t>Wibowo</a:t>
             </a:r>
-            <a:r>
-              <a:rPr lang="en-US" b="1" dirty="0" smtClean="0">
-                <a:solidFill>
-                  <a:schemeClr val="accent5"/>
-                </a:solidFill>
-                <a:latin typeface="Trebuchet MS"/>
-                <a:ea typeface="Trebuchet MS"/>
-                <a:cs typeface="Trebuchet MS"/>
-                <a:sym typeface="Trebuchet MS"/>
-              </a:rPr>
-              <a:t> – Kang Tata </a:t>
-            </a:r>
-            <a:r>
-              <a:rPr lang="en-US" b="1" dirty="0" err="1" smtClean="0">
-                <a:solidFill>
-                  <a:schemeClr val="accent5"/>
-                </a:solidFill>
-                <a:latin typeface="Trebuchet MS"/>
-                <a:ea typeface="Trebuchet MS"/>
-                <a:cs typeface="Trebuchet MS"/>
-                <a:sym typeface="Trebuchet MS"/>
-              </a:rPr>
-              <a:t>Rias</a:t>
-            </a:r>
-            <a:r>
-              <a:rPr lang="en-US" b="1" dirty="0" smtClean="0">
-                <a:solidFill>
-                  <a:schemeClr val="accent5"/>
-                </a:solidFill>
-                <a:latin typeface="Trebuchet MS"/>
-                <a:ea typeface="Trebuchet MS"/>
-                <a:cs typeface="Trebuchet MS"/>
-                <a:sym typeface="Trebuchet MS"/>
-              </a:rPr>
-              <a:t> </a:t>
-            </a:r>
-            <a:r>
-              <a:rPr lang="en-US" b="1" dirty="0" err="1" smtClean="0">
-                <a:solidFill>
-                  <a:schemeClr val="accent5"/>
-                </a:solidFill>
-                <a:latin typeface="Trebuchet MS"/>
-                <a:ea typeface="Trebuchet MS"/>
-                <a:cs typeface="Trebuchet MS"/>
-                <a:sym typeface="Trebuchet MS"/>
-              </a:rPr>
-              <a:t>Javan</a:t>
-            </a:r>
-            <a:r>
-              <a:rPr lang="en-US" b="1" dirty="0" smtClean="0">
-                <a:solidFill>
-                  <a:schemeClr val="accent5"/>
-                </a:solidFill>
-                <a:latin typeface="Trebuchet MS"/>
-                <a:ea typeface="Trebuchet MS"/>
-                <a:cs typeface="Trebuchet MS"/>
-                <a:sym typeface="Trebuchet MS"/>
-              </a:rPr>
-              <a:t>.</a:t>
-            </a:r>
             <a:endParaRPr b="1" i="0" u="none" strike="noStrike" cap="none" dirty="0">
               <a:solidFill>
                 <a:schemeClr val="accent5"/>
